--- a/docs/diagrams/HistorySequenceDiagram.pptx
+++ b/docs/diagrams/HistorySequenceDiagram.pptx
@@ -5247,7 +5247,7 @@
                   <a:schemeClr val="bg1"/>
                 </a:solidFill>
               </a:rPr>
-              <a:t>History:</a:t>
+              <a:t>history:</a:t>
             </a:r>
           </a:p>
           <a:p>
